--- a/Sentiment Analysis presentation.pptx
+++ b/Sentiment Analysis presentation.pptx
@@ -112,6 +112,11 @@
       </a:defRPr>
     </a:lvl9pPr>
   </p:defaultTextStyle>
+  <p:extLst>
+    <p:ext uri="{EFAFB233-063F-42B5-8137-9DF3F51BA10A}">
+      <p15:sldGuideLst xmlns:p15="http://schemas.microsoft.com/office/powerpoint/2012/main"/>
+    </p:ext>
+  </p:extLst>
 </p:presentation>
 </file>
 
@@ -264,7 +269,7 @@
           <a:p>
             <a:fld id="{0689CF8C-904D-4C38-BA77-21FEE11310AB}" type="datetimeFigureOut">
               <a:rPr lang="en-GB" smtClean="0"/>
-              <a:t>12/02/2024</a:t>
+              <a:t>13/02/2024</a:t>
             </a:fld>
             <a:endParaRPr lang="en-GB"/>
           </a:p>
@@ -464,7 +469,7 @@
           <a:p>
             <a:fld id="{0689CF8C-904D-4C38-BA77-21FEE11310AB}" type="datetimeFigureOut">
               <a:rPr lang="en-GB" smtClean="0"/>
-              <a:t>12/02/2024</a:t>
+              <a:t>13/02/2024</a:t>
             </a:fld>
             <a:endParaRPr lang="en-GB"/>
           </a:p>
@@ -674,7 +679,7 @@
           <a:p>
             <a:fld id="{0689CF8C-904D-4C38-BA77-21FEE11310AB}" type="datetimeFigureOut">
               <a:rPr lang="en-GB" smtClean="0"/>
-              <a:t>12/02/2024</a:t>
+              <a:t>13/02/2024</a:t>
             </a:fld>
             <a:endParaRPr lang="en-GB"/>
           </a:p>
@@ -874,7 +879,7 @@
           <a:p>
             <a:fld id="{0689CF8C-904D-4C38-BA77-21FEE11310AB}" type="datetimeFigureOut">
               <a:rPr lang="en-GB" smtClean="0"/>
-              <a:t>12/02/2024</a:t>
+              <a:t>13/02/2024</a:t>
             </a:fld>
             <a:endParaRPr lang="en-GB"/>
           </a:p>
@@ -1150,7 +1155,7 @@
           <a:p>
             <a:fld id="{0689CF8C-904D-4C38-BA77-21FEE11310AB}" type="datetimeFigureOut">
               <a:rPr lang="en-GB" smtClean="0"/>
-              <a:t>12/02/2024</a:t>
+              <a:t>13/02/2024</a:t>
             </a:fld>
             <a:endParaRPr lang="en-GB"/>
           </a:p>
@@ -1418,7 +1423,7 @@
           <a:p>
             <a:fld id="{0689CF8C-904D-4C38-BA77-21FEE11310AB}" type="datetimeFigureOut">
               <a:rPr lang="en-GB" smtClean="0"/>
-              <a:t>12/02/2024</a:t>
+              <a:t>13/02/2024</a:t>
             </a:fld>
             <a:endParaRPr lang="en-GB"/>
           </a:p>
@@ -1833,7 +1838,7 @@
           <a:p>
             <a:fld id="{0689CF8C-904D-4C38-BA77-21FEE11310AB}" type="datetimeFigureOut">
               <a:rPr lang="en-GB" smtClean="0"/>
-              <a:t>12/02/2024</a:t>
+              <a:t>13/02/2024</a:t>
             </a:fld>
             <a:endParaRPr lang="en-GB"/>
           </a:p>
@@ -1975,7 +1980,7 @@
           <a:p>
             <a:fld id="{0689CF8C-904D-4C38-BA77-21FEE11310AB}" type="datetimeFigureOut">
               <a:rPr lang="en-GB" smtClean="0"/>
-              <a:t>12/02/2024</a:t>
+              <a:t>13/02/2024</a:t>
             </a:fld>
             <a:endParaRPr lang="en-GB"/>
           </a:p>
@@ -2088,7 +2093,7 @@
           <a:p>
             <a:fld id="{0689CF8C-904D-4C38-BA77-21FEE11310AB}" type="datetimeFigureOut">
               <a:rPr lang="en-GB" smtClean="0"/>
-              <a:t>12/02/2024</a:t>
+              <a:t>13/02/2024</a:t>
             </a:fld>
             <a:endParaRPr lang="en-GB"/>
           </a:p>
@@ -2401,7 +2406,7 @@
           <a:p>
             <a:fld id="{0689CF8C-904D-4C38-BA77-21FEE11310AB}" type="datetimeFigureOut">
               <a:rPr lang="en-GB" smtClean="0"/>
-              <a:t>12/02/2024</a:t>
+              <a:t>13/02/2024</a:t>
             </a:fld>
             <a:endParaRPr lang="en-GB"/>
           </a:p>
@@ -2690,7 +2695,7 @@
           <a:p>
             <a:fld id="{0689CF8C-904D-4C38-BA77-21FEE11310AB}" type="datetimeFigureOut">
               <a:rPr lang="en-GB" smtClean="0"/>
-              <a:t>12/02/2024</a:t>
+              <a:t>13/02/2024</a:t>
             </a:fld>
             <a:endParaRPr lang="en-GB"/>
           </a:p>
@@ -2933,7 +2938,7 @@
           <a:p>
             <a:fld id="{0689CF8C-904D-4C38-BA77-21FEE11310AB}" type="datetimeFigureOut">
               <a:rPr lang="en-GB" smtClean="0"/>
-              <a:t>12/02/2024</a:t>
+              <a:t>13/02/2024</a:t>
             </a:fld>
             <a:endParaRPr lang="en-GB"/>
           </a:p>
@@ -4027,65 +4032,69 @@
           <a:chExt cx="0" cy="0"/>
         </a:xfrm>
       </p:grpSpPr>
-      <p:pic>
-        <p:nvPicPr>
-          <p:cNvPr id="6" name="Picture 5">
-            <a:extLst>
-              <a:ext uri="{FF2B5EF4-FFF2-40B4-BE49-F238E27FC236}">
-                <a16:creationId xmlns:a16="http://schemas.microsoft.com/office/drawing/2014/main" id="{97A47BE0-1C9F-43DA-8D50-B14BB70463DD}"/>
-              </a:ext>
-            </a:extLst>
-          </p:cNvPr>
-          <p:cNvPicPr>
-            <a:picLocks noChangeAspect="1"/>
-          </p:cNvPicPr>
-          <p:nvPr/>
-        </p:nvPicPr>
-        <p:blipFill rotWithShape="1">
-          <a:blip r:embed="rId2"/>
-          <a:srcRect l="3631"/>
-          <a:stretch/>
-        </p:blipFill>
-        <p:spPr>
-          <a:xfrm>
-            <a:off x="5508195" y="71312"/>
-            <a:ext cx="3054416" cy="6715375"/>
-          </a:xfrm>
-          <a:prstGeom prst="rect">
-            <a:avLst/>
-          </a:prstGeom>
-        </p:spPr>
-      </p:pic>
-      <p:pic>
-        <p:nvPicPr>
-          <p:cNvPr id="7" name="Picture 6">
-            <a:extLst>
-              <a:ext uri="{FF2B5EF4-FFF2-40B4-BE49-F238E27FC236}">
-                <a16:creationId xmlns:a16="http://schemas.microsoft.com/office/drawing/2014/main" id="{CAC64186-95A9-4547-B27D-226DB5FE7645}"/>
-              </a:ext>
-            </a:extLst>
-          </p:cNvPr>
-          <p:cNvPicPr>
-            <a:picLocks noChangeAspect="1"/>
-          </p:cNvPicPr>
-          <p:nvPr/>
-        </p:nvPicPr>
-        <p:blipFill>
-          <a:blip r:embed="rId3"/>
-          <a:stretch>
-            <a:fillRect/>
-          </a:stretch>
-        </p:blipFill>
-        <p:spPr>
-          <a:xfrm>
-            <a:off x="1993470" y="761328"/>
-            <a:ext cx="3514725" cy="3162300"/>
-          </a:xfrm>
-          <a:prstGeom prst="rect">
-            <a:avLst/>
-          </a:prstGeom>
-        </p:spPr>
-      </p:pic>
+      <p:graphicFrame>
+        <p:nvGraphicFramePr>
+          <p:cNvPr id="3" name="Object 2">
+            <a:extLst>
+              <a:ext uri="{FF2B5EF4-FFF2-40B4-BE49-F238E27FC236}">
+                <a16:creationId xmlns:a16="http://schemas.microsoft.com/office/drawing/2014/main" id="{359E78D9-F920-41FF-B5FC-45AB5B4A6949}"/>
+              </a:ext>
+            </a:extLst>
+          </p:cNvPr>
+          <p:cNvGraphicFramePr>
+            <a:graphicFrameLocks noChangeAspect="1"/>
+          </p:cNvGraphicFramePr>
+          <p:nvPr>
+            <p:extLst>
+              <p:ext uri="{D42A27DB-BD31-4B8C-83A1-F6EECF244321}">
+                <p14:modId xmlns:p14="http://schemas.microsoft.com/office/powerpoint/2010/main" val="2273278361"/>
+              </p:ext>
+            </p:extLst>
+          </p:nvPr>
+        </p:nvGraphicFramePr>
+        <p:xfrm>
+          <a:off x="9725361" y="416280"/>
+          <a:ext cx="2057400" cy="514350"/>
+        </p:xfrm>
+        <a:graphic>
+          <a:graphicData uri="http://schemas.openxmlformats.org/presentationml/2006/ole">
+            <mc:AlternateContent xmlns:mc="http://schemas.openxmlformats.org/markup-compatibility/2006">
+              <mc:Choice xmlns:v="urn:schemas-microsoft-com:vml" Requires="v">
+                <p:oleObj spid="_x0000_s1026" name="Packager Shell Object" showAsIcon="1" r:id="rId3" imgW="2057400" imgH="514080" progId="Package">
+                  <p:embed/>
+                </p:oleObj>
+              </mc:Choice>
+              <mc:Fallback>
+                <p:oleObj name="Packager Shell Object" showAsIcon="1" r:id="rId3" imgW="2057400" imgH="514080" progId="Package">
+                  <p:embed/>
+                  <p:pic>
+                    <p:nvPicPr>
+                      <p:cNvPr id="0" name=""/>
+                      <p:cNvPicPr/>
+                      <p:nvPr/>
+                    </p:nvPicPr>
+                    <p:blipFill>
+                      <a:blip r:embed="rId4"/>
+                      <a:stretch>
+                        <a:fillRect/>
+                      </a:stretch>
+                    </p:blipFill>
+                    <p:spPr>
+                      <a:xfrm>
+                        <a:off x="9725361" y="416280"/>
+                        <a:ext cx="2057400" cy="514350"/>
+                      </a:xfrm>
+                      <a:prstGeom prst="rect">
+                        <a:avLst/>
+                      </a:prstGeom>
+                    </p:spPr>
+                  </p:pic>
+                </p:oleObj>
+              </mc:Fallback>
+            </mc:AlternateContent>
+          </a:graphicData>
+        </a:graphic>
+      </p:graphicFrame>
     </p:spTree>
     <p:extLst>
       <p:ext uri="{BB962C8B-B14F-4D97-AF65-F5344CB8AC3E}">
